--- a/Project Presentation.pptx
+++ b/Project Presentation.pptx
@@ -1488,20 +1488,12 @@
               <a:t> </a:t>
             </a:r>
             <a:r>
-              <a:rPr lang="en-IN" sz="3600" dirty="0" err="1">
+              <a:rPr lang="en-IN" sz="3600" dirty="0">
                 <a:solidFill>
                   <a:srgbClr val="002060"/>
                 </a:solidFill>
               </a:rPr>
-              <a:t>Rossmann</a:t>
-            </a:r>
-            <a:r>
-              <a:rPr lang="en-IN" sz="3600" dirty="0">
-                <a:solidFill>
-                  <a:srgbClr val="002060"/>
-                </a:solidFill>
-              </a:rPr>
-              <a:t> Sales Prediction</a:t>
+              <a:t>Retail Sales Prediction</a:t>
             </a:r>
             <a:endParaRPr sz="3600" dirty="0">
               <a:solidFill>
